--- a/Intro to APIs.pptx
+++ b/Intro to APIs.pptx
@@ -119,6 +119,11 @@
       </a:defRPr>
     </a:lvl9pPr>
   </p:defaultTextStyle>
+  <p:extLst>
+    <p:ext uri="{EFAFB233-063F-42B5-8137-9DF3F51BA10A}">
+      <p15:sldGuideLst xmlns:p15="http://schemas.microsoft.com/office/powerpoint/2012/main"/>
+    </p:ext>
+  </p:extLst>
 </p:presentation>
 </file>
 
@@ -2882,7 +2887,7 @@
           <a:p>
             <a:fld id="{FA94ED14-123C-4E50-A1BB-13F28F21E337}" type="datetimeFigureOut">
               <a:rPr lang="en-US" smtClean="0"/>
-              <a:t>9/25/2018</a:t>
+              <a:t>9/29/2018</a:t>
             </a:fld>
             <a:endParaRPr lang="en-US"/>
           </a:p>
@@ -3194,263 +3199,6 @@
           <a:bodyPr/>
           <a:lstStyle/>
           <a:p>
-            <a:r>
-              <a:rPr lang="en-US" sz="1200" b="0" i="0" kern="1200" dirty="0" smtClean="0">
-                <a:solidFill>
-                  <a:schemeClr val="tx1"/>
-                </a:solidFill>
-                <a:effectLst/>
-                <a:latin typeface="+mn-lt"/>
-                <a:ea typeface="+mn-ea"/>
-                <a:cs typeface="+mn-cs"/>
-              </a:rPr>
-              <a:t>Your Internet experience runs on APIs. The acronym has helped you compare the best prices for flights, allowed you to embed a map into your store’s website and seamlessly processed your credit card payments.</a:t>
-            </a:r>
-          </a:p>
-          <a:p>
-            <a:r>
-              <a:rPr lang="en-US" sz="1200" b="0" i="0" kern="1200" dirty="0" smtClean="0">
-                <a:solidFill>
-                  <a:schemeClr val="tx1"/>
-                </a:solidFill>
-                <a:effectLst/>
-                <a:latin typeface="+mn-lt"/>
-                <a:ea typeface="+mn-ea"/>
-                <a:cs typeface="+mn-cs"/>
-              </a:rPr>
-              <a:t>But what is an API and why does it matter to you?</a:t>
-            </a:r>
-          </a:p>
-          <a:p>
-            <a:endParaRPr lang="en-US" sz="1200" b="0" i="0" kern="1200" dirty="0" smtClean="0">
-              <a:solidFill>
-                <a:schemeClr val="tx1"/>
-              </a:solidFill>
-              <a:effectLst/>
-              <a:latin typeface="+mn-lt"/>
-              <a:ea typeface="+mn-ea"/>
-              <a:cs typeface="+mn-cs"/>
-            </a:endParaRPr>
-          </a:p>
-          <a:p>
-            <a:r>
-              <a:rPr lang="en-US" sz="1200" b="0" i="0" kern="1200" dirty="0" smtClean="0">
-                <a:solidFill>
-                  <a:schemeClr val="tx1"/>
-                </a:solidFill>
-                <a:effectLst/>
-                <a:latin typeface="+mn-lt"/>
-                <a:ea typeface="+mn-ea"/>
-                <a:cs typeface="+mn-cs"/>
-              </a:rPr>
-              <a:t>API stands for application programming interface. It’s a concept and an intangible item. APIs operate on an agreement of inputs and outputs.</a:t>
-            </a:r>
-          </a:p>
-          <a:p>
-            <a:endParaRPr lang="en-US" sz="1200" b="0" i="0" kern="1200" dirty="0" smtClean="0">
-              <a:solidFill>
-                <a:schemeClr val="tx1"/>
-              </a:solidFill>
-              <a:effectLst/>
-              <a:latin typeface="+mn-lt"/>
-              <a:ea typeface="+mn-ea"/>
-              <a:cs typeface="+mn-cs"/>
-            </a:endParaRPr>
-          </a:p>
-          <a:p>
-            <a:r>
-              <a:rPr lang="en-US" sz="1200" b="1" i="0" kern="1200" dirty="0" smtClean="0">
-                <a:solidFill>
-                  <a:schemeClr val="tx1"/>
-                </a:solidFill>
-                <a:effectLst/>
-                <a:latin typeface="+mn-lt"/>
-                <a:ea typeface="+mn-ea"/>
-                <a:cs typeface="+mn-cs"/>
-              </a:rPr>
-              <a:t>Application</a:t>
-            </a:r>
-            <a:r>
-              <a:rPr lang="en-US" sz="1200" b="0" i="0" kern="1200" dirty="0" smtClean="0">
-                <a:solidFill>
-                  <a:schemeClr val="tx1"/>
-                </a:solidFill>
-                <a:effectLst/>
-                <a:latin typeface="+mn-lt"/>
-                <a:ea typeface="+mn-ea"/>
-                <a:cs typeface="+mn-cs"/>
-              </a:rPr>
-              <a:t>: These can be apps that you use on your smartphone or a software program that you use.</a:t>
-            </a:r>
-            <a:br>
-              <a:rPr lang="en-US" sz="1200" b="0" i="0" kern="1200" dirty="0" smtClean="0">
-                <a:solidFill>
-                  <a:schemeClr val="tx1"/>
-                </a:solidFill>
-                <a:effectLst/>
-                <a:latin typeface="+mn-lt"/>
-                <a:ea typeface="+mn-ea"/>
-                <a:cs typeface="+mn-cs"/>
-              </a:rPr>
-            </a:br>
-            <a:r>
-              <a:rPr lang="en-US" sz="1200" b="1" i="0" kern="1200" dirty="0" smtClean="0">
-                <a:solidFill>
-                  <a:schemeClr val="tx1"/>
-                </a:solidFill>
-                <a:effectLst/>
-                <a:latin typeface="+mn-lt"/>
-                <a:ea typeface="+mn-ea"/>
-                <a:cs typeface="+mn-cs"/>
-              </a:rPr>
-              <a:t>Programming</a:t>
-            </a:r>
-            <a:r>
-              <a:rPr lang="en-US" sz="1200" b="0" i="0" kern="1200" dirty="0" smtClean="0">
-                <a:solidFill>
-                  <a:schemeClr val="tx1"/>
-                </a:solidFill>
-                <a:effectLst/>
-                <a:latin typeface="+mn-lt"/>
-                <a:ea typeface="+mn-ea"/>
-                <a:cs typeface="+mn-cs"/>
-              </a:rPr>
-              <a:t>: Developers use APIs to write software.</a:t>
-            </a:r>
-            <a:br>
-              <a:rPr lang="en-US" sz="1200" b="0" i="0" kern="1200" dirty="0" smtClean="0">
-                <a:solidFill>
-                  <a:schemeClr val="tx1"/>
-                </a:solidFill>
-                <a:effectLst/>
-                <a:latin typeface="+mn-lt"/>
-                <a:ea typeface="+mn-ea"/>
-                <a:cs typeface="+mn-cs"/>
-              </a:rPr>
-            </a:br>
-            <a:r>
-              <a:rPr lang="en-US" sz="1200" b="1" i="0" kern="1200" dirty="0" smtClean="0">
-                <a:solidFill>
-                  <a:schemeClr val="tx1"/>
-                </a:solidFill>
-                <a:effectLst/>
-                <a:latin typeface="+mn-lt"/>
-                <a:ea typeface="+mn-ea"/>
-                <a:cs typeface="+mn-cs"/>
-              </a:rPr>
-              <a:t>Interface</a:t>
-            </a:r>
-            <a:r>
-              <a:rPr lang="en-US" sz="1200" b="0" i="0" kern="1200" dirty="0" smtClean="0">
-                <a:solidFill>
-                  <a:schemeClr val="tx1"/>
-                </a:solidFill>
-                <a:effectLst/>
-                <a:latin typeface="+mn-lt"/>
-                <a:ea typeface="+mn-ea"/>
-                <a:cs typeface="+mn-cs"/>
-              </a:rPr>
-              <a:t>: How you interact with the application.</a:t>
-            </a:r>
-          </a:p>
-          <a:p>
-            <a:endParaRPr lang="en-US" sz="1200" b="0" i="0" kern="1200" dirty="0" smtClean="0">
-              <a:solidFill>
-                <a:schemeClr val="tx1"/>
-              </a:solidFill>
-              <a:effectLst/>
-              <a:latin typeface="+mn-lt"/>
-              <a:ea typeface="+mn-ea"/>
-              <a:cs typeface="+mn-cs"/>
-            </a:endParaRPr>
-          </a:p>
-          <a:p>
-            <a:r>
-              <a:rPr lang="en-US" sz="1200" b="0" i="0" kern="1200" dirty="0" smtClean="0">
-                <a:solidFill>
-                  <a:schemeClr val="tx1"/>
-                </a:solidFill>
-                <a:effectLst/>
-                <a:latin typeface="+mn-lt"/>
-                <a:ea typeface="+mn-ea"/>
-                <a:cs typeface="+mn-cs"/>
-              </a:rPr>
-              <a:t>To use an analogy here, we’ll compare this to ordering a drink at a bar. When you step up to the bar, you’re given a menu with several drinks listed. There’s an agreement here or the concept of the API, where you’ll order a drink and be served a drink.</a:t>
-            </a:r>
-          </a:p>
-          <a:p>
-            <a:endParaRPr lang="en-US" sz="1200" b="0" i="0" kern="1200" dirty="0" smtClean="0">
-              <a:solidFill>
-                <a:schemeClr val="tx1"/>
-              </a:solidFill>
-              <a:effectLst/>
-              <a:latin typeface="+mn-lt"/>
-              <a:ea typeface="+mn-ea"/>
-              <a:cs typeface="+mn-cs"/>
-            </a:endParaRPr>
-          </a:p>
-          <a:p>
-            <a:r>
-              <a:rPr lang="en-US" sz="1200" b="0" i="0" kern="1200" dirty="0" smtClean="0">
-                <a:solidFill>
-                  <a:schemeClr val="tx1"/>
-                </a:solidFill>
-                <a:effectLst/>
-                <a:latin typeface="+mn-lt"/>
-                <a:ea typeface="+mn-ea"/>
-                <a:cs typeface="+mn-cs"/>
-              </a:rPr>
-              <a:t>The menu as it’s presented to you is the interface. All the drinks listed on the menu are what the bartender has agreed to serve. When you ask for a certain drink on the menu, you receive it. But if you ask for something off the menu, such as a vodka martini instead of a gin martini, the bartender will tell you no because it’s not something they agreed to serve.</a:t>
-            </a:r>
-          </a:p>
-          <a:p>
-            <a:endParaRPr lang="en-US" sz="1200" b="0" i="0" kern="1200" dirty="0" smtClean="0">
-              <a:solidFill>
-                <a:schemeClr val="tx1"/>
-              </a:solidFill>
-              <a:effectLst/>
-              <a:latin typeface="+mn-lt"/>
-              <a:ea typeface="+mn-ea"/>
-              <a:cs typeface="+mn-cs"/>
-            </a:endParaRPr>
-          </a:p>
-          <a:p>
-            <a:r>
-              <a:rPr lang="en-US" sz="1200" b="0" i="0" kern="1200" dirty="0" smtClean="0">
-                <a:solidFill>
-                  <a:schemeClr val="tx1"/>
-                </a:solidFill>
-                <a:effectLst/>
-                <a:latin typeface="+mn-lt"/>
-                <a:ea typeface="+mn-ea"/>
-                <a:cs typeface="+mn-cs"/>
-              </a:rPr>
-              <a:t>Let’s say you want the martini delivered to your home. You call a delivery service and you order a martini. When you order it, someone will tell the bartender your order, the bartender will make the martini and then someone will deliver it to your home. This is an example of an service built on an “API” (the menu).</a:t>
-            </a:r>
-          </a:p>
-          <a:p>
-            <a:r>
-              <a:rPr lang="en-US" dirty="0" smtClean="0">
-                <a:effectLst/>
-              </a:rPr>
-              <a:t/>
-            </a:r>
-            <a:br>
-              <a:rPr lang="en-US" dirty="0" smtClean="0">
-                <a:effectLst/>
-              </a:rPr>
-            </a:br>
-            <a:endParaRPr lang="en-US" sz="1200" b="0" i="0" kern="1200" dirty="0" smtClean="0">
-              <a:solidFill>
-                <a:schemeClr val="tx1"/>
-              </a:solidFill>
-              <a:effectLst/>
-              <a:latin typeface="+mn-lt"/>
-              <a:ea typeface="+mn-ea"/>
-              <a:cs typeface="+mn-cs"/>
-            </a:endParaRPr>
-          </a:p>
-          <a:p>
             <a:endParaRPr lang="en-US" dirty="0"/>
           </a:p>
         </p:txBody>
@@ -3595,371 +3343,6 @@
           <a:bodyPr/>
           <a:lstStyle/>
           <a:p>
-            <a:r>
-              <a:rPr lang="en-US" dirty="0" smtClean="0"/>
-              <a:t>There are Multiple Types of APIs</a:t>
-            </a:r>
-          </a:p>
-          <a:p>
-            <a:r>
-              <a:rPr lang="en-US" dirty="0" smtClean="0"/>
-              <a:t>Public APIs are released by companies like Slack and Shopify in hopes that developers will use them to build on their platforms. The company will share a set of inputs that you can use to achieve certain outputs. For every input, they agree to give an output and the output does not differ.</a:t>
-            </a:r>
-          </a:p>
-          <a:p>
-            <a:endParaRPr lang="en-US" dirty="0" smtClean="0"/>
-          </a:p>
-          <a:p>
-            <a:r>
-              <a:rPr lang="en-US" dirty="0" smtClean="0"/>
-              <a:t>You don’t need to submit your app for approval for a public API. They’re usually documented and can be accessed without too much fanfare.</a:t>
-            </a:r>
-          </a:p>
-          <a:p>
-            <a:endParaRPr lang="en-US" dirty="0" smtClean="0"/>
-          </a:p>
-          <a:p>
-            <a:r>
-              <a:rPr lang="en-US" sz="1200" b="1" i="0" kern="1200" dirty="0" smtClean="0">
-                <a:solidFill>
-                  <a:schemeClr val="tx1"/>
-                </a:solidFill>
-                <a:effectLst/>
-                <a:latin typeface="+mn-lt"/>
-                <a:ea typeface="+mn-ea"/>
-                <a:cs typeface="+mn-cs"/>
-              </a:rPr>
-              <a:t>Private</a:t>
-            </a:r>
-            <a:r>
-              <a:rPr lang="en-US" sz="1200" b="0" i="0" kern="1200" dirty="0" smtClean="0">
-                <a:solidFill>
-                  <a:schemeClr val="tx1"/>
-                </a:solidFill>
-                <a:effectLst/>
-                <a:latin typeface="+mn-lt"/>
-                <a:ea typeface="+mn-ea"/>
-                <a:cs typeface="+mn-cs"/>
-              </a:rPr>
-              <a:t> APIs are used internally at a company. If a company has multiple software products, private APIs are used for the software to “talk” to each other. The components of the APIs can change at the company’s whim, whereas a change to a public API would cause an outcry.</a:t>
-            </a:r>
-          </a:p>
-          <a:p>
-            <a:endParaRPr lang="en-US" sz="1200" b="0" i="0" kern="1200" dirty="0" smtClean="0">
-              <a:solidFill>
-                <a:schemeClr val="tx1"/>
-              </a:solidFill>
-              <a:effectLst/>
-              <a:latin typeface="+mn-lt"/>
-              <a:ea typeface="+mn-ea"/>
-              <a:cs typeface="+mn-cs"/>
-            </a:endParaRPr>
-          </a:p>
-          <a:p>
-            <a:r>
-              <a:rPr lang="en-US" sz="1200" b="1" i="0" kern="1200" dirty="0" smtClean="0">
-                <a:solidFill>
-                  <a:schemeClr val="tx1"/>
-                </a:solidFill>
-                <a:effectLst/>
-                <a:latin typeface="+mn-lt"/>
-                <a:ea typeface="+mn-ea"/>
-                <a:cs typeface="+mn-cs"/>
-              </a:rPr>
-              <a:t>Why are APIs Important for You?</a:t>
-            </a:r>
-          </a:p>
-          <a:p>
-            <a:r>
-              <a:rPr lang="en-US" sz="1200" b="0" i="0" kern="1200" dirty="0" smtClean="0">
-                <a:solidFill>
-                  <a:schemeClr val="tx1"/>
-                </a:solidFill>
-                <a:effectLst/>
-                <a:latin typeface="+mn-lt"/>
-                <a:ea typeface="+mn-ea"/>
-                <a:cs typeface="+mn-cs"/>
-              </a:rPr>
-              <a:t>As we mentioned earlier, your Internet experience runs on APIs. Instead of accessing four different companies four separate times, you may use one software to access all four at the same time.</a:t>
-            </a:r>
-          </a:p>
-          <a:p>
-            <a:endParaRPr lang="en-US" sz="1200" b="0" i="0" kern="1200" dirty="0" smtClean="0">
-              <a:solidFill>
-                <a:schemeClr val="tx1"/>
-              </a:solidFill>
-              <a:effectLst/>
-              <a:latin typeface="+mn-lt"/>
-              <a:ea typeface="+mn-ea"/>
-              <a:cs typeface="+mn-cs"/>
-            </a:endParaRPr>
-          </a:p>
-          <a:p>
-            <a:r>
-              <a:rPr lang="en-US" sz="1200" b="1" i="0" kern="1200" dirty="0" smtClean="0">
-                <a:solidFill>
-                  <a:schemeClr val="tx1"/>
-                </a:solidFill>
-                <a:effectLst/>
-                <a:latin typeface="+mn-lt"/>
-                <a:ea typeface="+mn-ea"/>
-                <a:cs typeface="+mn-cs"/>
-              </a:rPr>
-              <a:t>APIs Streamline Your Processes</a:t>
-            </a:r>
-          </a:p>
-          <a:p>
-            <a:r>
-              <a:rPr lang="en-US" sz="1200" b="0" i="0" kern="1200" dirty="0" smtClean="0">
-                <a:solidFill>
-                  <a:schemeClr val="tx1"/>
-                </a:solidFill>
-                <a:effectLst/>
-                <a:latin typeface="+mn-lt"/>
-                <a:ea typeface="+mn-ea"/>
-                <a:cs typeface="+mn-cs"/>
-              </a:rPr>
-              <a:t>The Sprout Social </a:t>
-            </a:r>
-            <a:r>
-              <a:rPr lang="en-US" sz="1200" b="1" i="0" u="sng" kern="1200" dirty="0" smtClean="0">
-                <a:solidFill>
-                  <a:schemeClr val="tx1"/>
-                </a:solidFill>
-                <a:effectLst/>
-                <a:latin typeface="+mn-lt"/>
-                <a:ea typeface="+mn-ea"/>
-                <a:cs typeface="+mn-cs"/>
-                <a:hlinkClick r:id="rId3"/>
-              </a:rPr>
-              <a:t>Smart Inbox</a:t>
-            </a:r>
-            <a:r>
-              <a:rPr lang="en-US" sz="1200" b="0" i="0" kern="1200" dirty="0" smtClean="0">
-                <a:solidFill>
-                  <a:schemeClr val="tx1"/>
-                </a:solidFill>
-                <a:effectLst/>
-                <a:latin typeface="+mn-lt"/>
-                <a:ea typeface="+mn-ea"/>
-                <a:cs typeface="+mn-cs"/>
-              </a:rPr>
-              <a:t> is an excellent example of this. Before, you would log into Facebook and Twitter separately, check messages, run search terms and respond when you were tagged. Now, thanks to the networks’ APIs, you can see it all in one view, cutting out on extra time.</a:t>
-            </a:r>
-          </a:p>
-          <a:p>
-            <a:endParaRPr lang="en-US" sz="1200" b="0" i="0" kern="1200" dirty="0" smtClean="0">
-              <a:solidFill>
-                <a:schemeClr val="tx1"/>
-              </a:solidFill>
-              <a:effectLst/>
-              <a:latin typeface="+mn-lt"/>
-              <a:ea typeface="+mn-ea"/>
-              <a:cs typeface="+mn-cs"/>
-            </a:endParaRPr>
-          </a:p>
-          <a:p>
-            <a:r>
-              <a:rPr lang="en-US" sz="1200" b="1" i="0" kern="1200" dirty="0" smtClean="0">
-                <a:solidFill>
-                  <a:schemeClr val="tx1"/>
-                </a:solidFill>
-                <a:effectLst/>
-                <a:latin typeface="+mn-lt"/>
-                <a:ea typeface="+mn-ea"/>
-                <a:cs typeface="+mn-cs"/>
-              </a:rPr>
-              <a:t>Apps Make Your Life Easier</a:t>
-            </a:r>
-          </a:p>
-          <a:p>
-            <a:r>
-              <a:rPr lang="en-US" sz="1200" b="0" i="0" kern="1200" dirty="0" smtClean="0">
-                <a:solidFill>
-                  <a:schemeClr val="tx1"/>
-                </a:solidFill>
-                <a:effectLst/>
-                <a:latin typeface="+mn-lt"/>
-                <a:ea typeface="+mn-ea"/>
-                <a:cs typeface="+mn-cs"/>
-              </a:rPr>
-              <a:t>If you use public transit, you likely have an app telling you when the next bus is arriving. The app uses the transit’s API to show which bus is arriving and when. It saves you time and possibly from freezing if you live in a cold climate.</a:t>
-            </a:r>
-          </a:p>
-          <a:p>
-            <a:endParaRPr lang="en-US" sz="1200" b="1" i="0" kern="1200" dirty="0" smtClean="0">
-              <a:solidFill>
-                <a:schemeClr val="tx1"/>
-              </a:solidFill>
-              <a:effectLst/>
-              <a:latin typeface="+mn-lt"/>
-              <a:ea typeface="+mn-ea"/>
-              <a:cs typeface="+mn-cs"/>
-            </a:endParaRPr>
-          </a:p>
-          <a:p>
-            <a:r>
-              <a:rPr lang="en-US" sz="1200" b="1" i="0" kern="1200" dirty="0" smtClean="0">
-                <a:solidFill>
-                  <a:schemeClr val="tx1"/>
-                </a:solidFill>
-                <a:effectLst/>
-                <a:latin typeface="+mn-lt"/>
-                <a:ea typeface="+mn-ea"/>
-                <a:cs typeface="+mn-cs"/>
-              </a:rPr>
-              <a:t>Businesses Expand with APIs</a:t>
-            </a:r>
-          </a:p>
-          <a:p>
-            <a:r>
-              <a:rPr lang="en-US" sz="1200" b="0" i="0" kern="1200" dirty="0" smtClean="0">
-                <a:solidFill>
-                  <a:schemeClr val="tx1"/>
-                </a:solidFill>
-                <a:effectLst/>
-                <a:latin typeface="+mn-lt"/>
-                <a:ea typeface="+mn-ea"/>
-                <a:cs typeface="+mn-cs"/>
-              </a:rPr>
-              <a:t>A business’ potential can be expanded when they offer an API. There are only so many resources a business can offer. Having an API available, with developers who are eager to build on them, can expand their offerings to more people.</a:t>
-            </a:r>
-          </a:p>
-          <a:p>
-            <a:r>
-              <a:rPr lang="en-US" sz="1200" b="0" i="0" kern="1200" dirty="0" smtClean="0">
-                <a:solidFill>
-                  <a:schemeClr val="tx1"/>
-                </a:solidFill>
-                <a:effectLst/>
-                <a:latin typeface="+mn-lt"/>
-                <a:ea typeface="+mn-ea"/>
-                <a:cs typeface="+mn-cs"/>
-              </a:rPr>
-              <a:t>A good example is a software like Mint that can connect with multiple banks and compile it in one area. A bank’s core offering is storing your money and recording your credit card expenses. The bank allows Mint to connect to its API, so you can better manage your money and consequently, continue being a customer at the bank.</a:t>
-            </a:r>
-          </a:p>
-          <a:p>
-            <a:endParaRPr lang="en-US" sz="1200" b="1" i="0" kern="1200" dirty="0" smtClean="0">
-              <a:solidFill>
-                <a:schemeClr val="tx1"/>
-              </a:solidFill>
-              <a:effectLst/>
-              <a:latin typeface="+mn-lt"/>
-              <a:ea typeface="+mn-ea"/>
-              <a:cs typeface="+mn-cs"/>
-            </a:endParaRPr>
-          </a:p>
-          <a:p>
-            <a:r>
-              <a:rPr lang="en-US" sz="1200" b="1" i="0" kern="1200" dirty="0" smtClean="0">
-                <a:solidFill>
-                  <a:schemeClr val="tx1"/>
-                </a:solidFill>
-                <a:effectLst/>
-                <a:latin typeface="+mn-lt"/>
-                <a:ea typeface="+mn-ea"/>
-                <a:cs typeface="+mn-cs"/>
-              </a:rPr>
-              <a:t>5 Things You Should Know About APIs</a:t>
-            </a:r>
-          </a:p>
-          <a:p>
-            <a:r>
-              <a:rPr lang="en-US" sz="1200" b="0" i="0" kern="1200" dirty="0" smtClean="0">
-                <a:solidFill>
-                  <a:schemeClr val="tx1"/>
-                </a:solidFill>
-                <a:effectLst/>
-                <a:latin typeface="+mn-lt"/>
-                <a:ea typeface="+mn-ea"/>
-                <a:cs typeface="+mn-cs"/>
-              </a:rPr>
-              <a:t>To recap, here are the five takeaways for APIs.</a:t>
-            </a:r>
-          </a:p>
-          <a:p>
-            <a:r>
-              <a:rPr lang="en-US" sz="1200" b="0" i="0" kern="1200" dirty="0" smtClean="0">
-                <a:solidFill>
-                  <a:schemeClr val="tx1"/>
-                </a:solidFill>
-                <a:effectLst/>
-                <a:latin typeface="+mn-lt"/>
-                <a:ea typeface="+mn-ea"/>
-                <a:cs typeface="+mn-cs"/>
-              </a:rPr>
-              <a:t>Developers work with APIs to create software and apps. It’s rare for you, the end user, to directly interact with an API.</a:t>
-            </a:r>
-          </a:p>
-          <a:p>
-            <a:r>
-              <a:rPr lang="en-US" sz="1200" b="0" i="0" kern="1200" dirty="0" smtClean="0">
-                <a:solidFill>
-                  <a:schemeClr val="tx1"/>
-                </a:solidFill>
-                <a:effectLst/>
-                <a:latin typeface="+mn-lt"/>
-                <a:ea typeface="+mn-ea"/>
-                <a:cs typeface="+mn-cs"/>
-              </a:rPr>
-              <a:t>APIs operate as a gate, allowing companies to share select information but also keeping unwanted requests out.</a:t>
-            </a:r>
-          </a:p>
-          <a:p>
-            <a:r>
-              <a:rPr lang="en-US" sz="1200" b="0" i="0" kern="1200" dirty="0" smtClean="0">
-                <a:solidFill>
-                  <a:schemeClr val="tx1"/>
-                </a:solidFill>
-                <a:effectLst/>
-                <a:latin typeface="+mn-lt"/>
-                <a:ea typeface="+mn-ea"/>
-                <a:cs typeface="+mn-cs"/>
-              </a:rPr>
-              <a:t>APIs can make your life run a little smoother. When airlines share data about flights and prices, travel aggregating sites can compile them all and help you compare.</a:t>
-            </a:r>
-          </a:p>
-          <a:p>
-            <a:r>
-              <a:rPr lang="en-US" sz="1200" b="0" i="0" kern="1200" dirty="0" smtClean="0">
-                <a:solidFill>
-                  <a:schemeClr val="tx1"/>
-                </a:solidFill>
-                <a:effectLst/>
-                <a:latin typeface="+mn-lt"/>
-                <a:ea typeface="+mn-ea"/>
-                <a:cs typeface="+mn-cs"/>
-              </a:rPr>
-              <a:t>Businesses are built on APIs. Sprout Social itself is an example of a software that is built on the APIs of social media networks.</a:t>
-            </a:r>
-          </a:p>
-          <a:p>
-            <a:r>
-              <a:rPr lang="en-US" sz="1200" b="0" i="0" kern="1200" dirty="0" smtClean="0">
-                <a:solidFill>
-                  <a:schemeClr val="tx1"/>
-                </a:solidFill>
-                <a:effectLst/>
-                <a:latin typeface="+mn-lt"/>
-                <a:ea typeface="+mn-ea"/>
-                <a:cs typeface="+mn-cs"/>
-              </a:rPr>
-              <a:t>If you’re using a third-party app to manage your social media, it might not be the app’s fault that a feature isn’t being offered. It’s more likely that the network doesn’t have it as part of their API.</a:t>
-            </a:r>
-          </a:p>
-          <a:p>
-            <a:endParaRPr lang="en-US" sz="1200" b="0" i="0" kern="1200" dirty="0" smtClean="0">
-              <a:solidFill>
-                <a:schemeClr val="tx1"/>
-              </a:solidFill>
-              <a:effectLst/>
-              <a:latin typeface="+mn-lt"/>
-              <a:ea typeface="+mn-ea"/>
-              <a:cs typeface="+mn-cs"/>
-            </a:endParaRPr>
-          </a:p>
-          <a:p>
             <a:endParaRPr lang="en-US" dirty="0"/>
           </a:p>
         </p:txBody>
@@ -4104,18 +3487,6 @@
           <a:bodyPr/>
           <a:lstStyle/>
           <a:p>
-            <a:r>
-              <a:rPr lang="en-US" sz="1200" b="0" i="0" kern="1200" dirty="0" smtClean="0">
-                <a:solidFill>
-                  <a:schemeClr val="tx1"/>
-                </a:solidFill>
-                <a:effectLst/>
-                <a:latin typeface="+mn-lt"/>
-                <a:ea typeface="+mn-ea"/>
-                <a:cs typeface="+mn-cs"/>
-              </a:rPr>
-              <a:t>An API acts like a doorway to your server and database that those with an API key (or a paid subscription) can use to access whatever assets you choose to reveal. A key could give a user read access, write access, or both—it’s up to you.</a:t>
-            </a:r>
             <a:endParaRPr lang="en-US" dirty="0"/>
           </a:p>
         </p:txBody>
@@ -4600,7 +3971,7 @@
                 <a:tabLst/>
                 <a:defRPr/>
               </a:pPr>
-              <a:t>9/25/2018</a:t>
+              <a:t>9/29/2018</a:t>
             </a:fld>
             <a:endParaRPr kumimoji="0" lang="en-US" sz="1000" b="0" i="0" u="none" strike="noStrike" kern="1200" cap="none" spc="0" normalizeH="0" baseline="0" noProof="0" dirty="0">
               <a:ln>
@@ -5846,7 +5217,7 @@
                 <a:tabLst/>
                 <a:defRPr/>
               </a:pPr>
-              <a:t>9/25/2018</a:t>
+              <a:t>9/29/2018</a:t>
             </a:fld>
             <a:endParaRPr kumimoji="0" lang="en-US" sz="1000" b="1" i="0" u="none" strike="noStrike" kern="1200" cap="none" spc="0" normalizeH="0" baseline="0" noProof="0" dirty="0">
               <a:ln>
@@ -6980,7 +6351,7 @@
                 <a:tabLst/>
                 <a:defRPr/>
               </a:pPr>
-              <a:t>9/25/2018</a:t>
+              <a:t>9/29/2018</a:t>
             </a:fld>
             <a:endParaRPr kumimoji="0" lang="en-US" sz="1000" b="1" i="0" u="none" strike="noStrike" kern="1200" cap="none" spc="0" normalizeH="0" baseline="0" noProof="0" dirty="0">
               <a:ln>
@@ -8314,7 +7685,7 @@
                 <a:tabLst/>
                 <a:defRPr/>
               </a:pPr>
-              <a:t>9/25/2018</a:t>
+              <a:t>9/29/2018</a:t>
             </a:fld>
             <a:endParaRPr kumimoji="0" lang="en-US" sz="1000" b="1" i="0" u="none" strike="noStrike" kern="1200" cap="none" spc="0" normalizeH="0" baseline="0" noProof="0" dirty="0">
               <a:ln>
@@ -9501,7 +8872,7 @@
                 <a:tabLst/>
                 <a:defRPr/>
               </a:pPr>
-              <a:t>9/25/2018</a:t>
+              <a:t>9/29/2018</a:t>
             </a:fld>
             <a:endParaRPr kumimoji="0" lang="en-US" sz="1000" b="1" i="0" u="none" strike="noStrike" kern="1200" cap="none" spc="0" normalizeH="0" baseline="0" noProof="0" dirty="0">
               <a:ln>
@@ -10315,7 +9686,7 @@
                 <a:tabLst/>
                 <a:defRPr/>
               </a:pPr>
-              <a:t>9/25/2018</a:t>
+              <a:t>9/29/2018</a:t>
             </a:fld>
             <a:endParaRPr kumimoji="0" lang="en-US" sz="1000" b="1" i="0" u="none" strike="noStrike" kern="1200" cap="none" spc="0" normalizeH="0" baseline="0" noProof="0" dirty="0">
               <a:ln>
@@ -11330,7 +10701,7 @@
                 <a:tabLst/>
                 <a:defRPr/>
               </a:pPr>
-              <a:t>9/25/2018</a:t>
+              <a:t>9/29/2018</a:t>
             </a:fld>
             <a:endParaRPr kumimoji="0" lang="en-US" sz="1000" b="1" i="0" u="none" strike="noStrike" kern="1200" cap="none" spc="0" normalizeH="0" baseline="0" noProof="0" dirty="0">
               <a:ln>
@@ -11674,7 +11045,7 @@
                 <a:tabLst/>
                 <a:defRPr/>
               </a:pPr>
-              <a:t>9/25/2018</a:t>
+              <a:t>9/29/2018</a:t>
             </a:fld>
             <a:endParaRPr kumimoji="0" lang="en-US" sz="1000" b="1" i="0" u="none" strike="noStrike" kern="1200" cap="none" spc="0" normalizeH="0" baseline="0" noProof="0" dirty="0">
               <a:ln>
@@ -12800,7 +12171,7 @@
                 <a:tabLst/>
                 <a:defRPr/>
               </a:pPr>
-              <a:t>9/25/2018</a:t>
+              <a:t>9/29/2018</a:t>
             </a:fld>
             <a:endParaRPr kumimoji="0" lang="en-US" sz="1000" b="1" i="0" u="none" strike="noStrike" kern="1200" cap="none" spc="0" normalizeH="0" baseline="0" noProof="0" dirty="0">
               <a:ln>
@@ -13165,7 +12536,7 @@
                 <a:tabLst/>
                 <a:defRPr/>
               </a:pPr>
-              <a:t>9/25/2018</a:t>
+              <a:t>9/29/2018</a:t>
             </a:fld>
             <a:endParaRPr kumimoji="0" lang="en-US" sz="1000" b="1" i="0" u="none" strike="noStrike" kern="1200" cap="none" spc="0" normalizeH="0" baseline="0" noProof="0" dirty="0">
               <a:ln>
@@ -14353,7 +13724,7 @@
                 <a:tabLst/>
                 <a:defRPr/>
               </a:pPr>
-              <a:t>9/25/2018</a:t>
+              <a:t>9/29/2018</a:t>
             </a:fld>
             <a:endParaRPr kumimoji="0" lang="en-US" sz="1000" b="1" i="0" u="none" strike="noStrike" kern="1200" cap="none" spc="0" normalizeH="0" baseline="0" noProof="0" dirty="0">
               <a:ln>
@@ -14779,7 +14150,7 @@
                 <a:tabLst/>
                 <a:defRPr/>
               </a:pPr>
-              <a:t>9/25/2018</a:t>
+              <a:t>9/29/2018</a:t>
             </a:fld>
             <a:endParaRPr kumimoji="0" lang="en-US" sz="1000" b="1" i="0" u="none" strike="noStrike" kern="1200" cap="none" spc="0" normalizeH="0" baseline="0" noProof="0" dirty="0">
               <a:ln>
@@ -15343,7 +14714,7 @@
                 <a:tabLst/>
                 <a:defRPr/>
               </a:pPr>
-              <a:t>9/25/2018</a:t>
+              <a:t>9/29/2018</a:t>
             </a:fld>
             <a:endParaRPr kumimoji="0" lang="en-US" sz="1000" b="1" i="0" u="none" strike="noStrike" kern="1200" cap="none" spc="0" normalizeH="0" baseline="0" noProof="0" dirty="0">
               <a:ln>
@@ -15624,7 +14995,7 @@
                 <a:tabLst/>
                 <a:defRPr/>
               </a:pPr>
-              <a:t>9/25/2018</a:t>
+              <a:t>9/29/2018</a:t>
             </a:fld>
             <a:endParaRPr kumimoji="0" lang="en-US" sz="1000" b="1" i="0" u="none" strike="noStrike" kern="1200" cap="none" spc="0" normalizeH="0" baseline="0" noProof="0" dirty="0">
               <a:ln>
@@ -15873,7 +15244,7 @@
                 <a:tabLst/>
                 <a:defRPr/>
               </a:pPr>
-              <a:t>9/25/2018</a:t>
+              <a:t>9/29/2018</a:t>
             </a:fld>
             <a:endParaRPr kumimoji="0" lang="en-US" sz="1000" b="1" i="0" u="none" strike="noStrike" kern="1200" cap="none" spc="0" normalizeH="0" baseline="0" noProof="0" dirty="0">
               <a:ln>
@@ -17108,7 +16479,7 @@
                 <a:tabLst/>
                 <a:defRPr/>
               </a:pPr>
-              <a:t>9/25/2018</a:t>
+              <a:t>9/29/2018</a:t>
             </a:fld>
             <a:endParaRPr kumimoji="0" lang="en-US" sz="1000" b="1" i="0" u="none" strike="noStrike" kern="1200" cap="none" spc="0" normalizeH="0" baseline="0" noProof="0" dirty="0">
               <a:ln>
@@ -18370,7 +17741,7 @@
                 <a:tabLst/>
                 <a:defRPr/>
               </a:pPr>
-              <a:t>9/25/2018</a:t>
+              <a:t>9/29/2018</a:t>
             </a:fld>
             <a:endParaRPr kumimoji="0" lang="en-US" sz="1000" b="1" i="0" u="none" strike="noStrike" kern="1200" cap="none" spc="0" normalizeH="0" baseline="0" noProof="0" dirty="0">
               <a:ln>
@@ -19521,7 +18892,7 @@
                 <a:tabLst/>
                 <a:defRPr/>
               </a:pPr>
-              <a:t>9/25/2018</a:t>
+              <a:t>9/29/2018</a:t>
             </a:fld>
             <a:endParaRPr kumimoji="0" lang="en-US" sz="1000" b="1" i="0" u="none" strike="noStrike" kern="1200" cap="none" spc="0" normalizeH="0" baseline="0" noProof="0" dirty="0">
               <a:ln>
@@ -20244,6 +19615,173 @@
           </a:p>
         </p:txBody>
       </p:sp>
+      <p:sp>
+        <p:nvSpPr>
+          <p:cNvPr id="4" name="TextBox 3"/>
+          <p:cNvSpPr txBox="1"/>
+          <p:nvPr/>
+        </p:nvSpPr>
+        <p:spPr>
+          <a:xfrm>
+            <a:off x="5537200" y="1776027"/>
+            <a:ext cx="5905500" cy="2862322"/>
+          </a:xfrm>
+          <a:prstGeom prst="rect">
+            <a:avLst/>
+          </a:prstGeom>
+          <a:noFill/>
+        </p:spPr>
+        <p:txBody>
+          <a:bodyPr wrap="square" rtlCol="0">
+            <a:spAutoFit/>
+          </a:bodyPr>
+          <a:lstStyle/>
+          <a:p>
+            <a:pPr marL="342900" indent="-342900">
+              <a:buFont typeface="Arial" panose="020B0604020202020204" pitchFamily="34" charset="0"/>
+              <a:buChar char="•"/>
+            </a:pPr>
+            <a:r>
+              <a:rPr lang="en-US" dirty="0" smtClean="0">
+                <a:solidFill>
+                  <a:schemeClr val="bg1"/>
+                </a:solidFill>
+              </a:rPr>
+              <a:t>Please connect to “</a:t>
+            </a:r>
+            <a:r>
+              <a:rPr lang="en-US" dirty="0" err="1" smtClean="0">
+                <a:solidFill>
+                  <a:schemeClr val="bg1"/>
+                </a:solidFill>
+              </a:rPr>
+              <a:t>muguest</a:t>
+            </a:r>
+            <a:r>
+              <a:rPr lang="en-US" dirty="0" smtClean="0">
+                <a:solidFill>
+                  <a:schemeClr val="bg1"/>
+                </a:solidFill>
+              </a:rPr>
+              <a:t>” </a:t>
+            </a:r>
+            <a:r>
+              <a:rPr lang="en-US" dirty="0" err="1" smtClean="0">
+                <a:solidFill>
+                  <a:schemeClr val="bg1"/>
+                </a:solidFill>
+              </a:rPr>
+              <a:t>wifi</a:t>
+            </a:r>
+            <a:r>
+              <a:rPr lang="en-US" dirty="0" smtClean="0">
+                <a:solidFill>
+                  <a:schemeClr val="bg1"/>
+                </a:solidFill>
+              </a:rPr>
+              <a:t> and accept the terms.</a:t>
+            </a:r>
+          </a:p>
+          <a:p>
+            <a:endParaRPr lang="en-US" dirty="0" smtClean="0">
+              <a:solidFill>
+                <a:schemeClr val="bg1"/>
+              </a:solidFill>
+            </a:endParaRPr>
+          </a:p>
+          <a:p>
+            <a:pPr marL="342900" indent="-342900">
+              <a:buFont typeface="Arial" panose="020B0604020202020204" pitchFamily="34" charset="0"/>
+              <a:buChar char="•"/>
+            </a:pPr>
+            <a:r>
+              <a:rPr lang="en-US" dirty="0" err="1" smtClean="0">
+                <a:solidFill>
+                  <a:schemeClr val="bg1"/>
+                </a:solidFill>
+              </a:rPr>
+              <a:t>Goto</a:t>
+            </a:r>
+            <a:r>
+              <a:rPr lang="en-US" dirty="0" smtClean="0">
+                <a:solidFill>
+                  <a:schemeClr val="bg1"/>
+                </a:solidFill>
+              </a:rPr>
+              <a:t>: </a:t>
+            </a:r>
+            <a:r>
+              <a:rPr lang="en-US" dirty="0" smtClean="0">
+                <a:solidFill>
+                  <a:schemeClr val="bg1"/>
+                </a:solidFill>
+                <a:hlinkClick r:id="rId2"/>
+              </a:rPr>
+              <a:t>https://github.com/LauraBiss/apis_materials</a:t>
+            </a:r>
+            <a:endParaRPr lang="en-US" dirty="0" smtClean="0">
+              <a:solidFill>
+                <a:schemeClr val="bg1"/>
+              </a:solidFill>
+            </a:endParaRPr>
+          </a:p>
+          <a:p>
+            <a:endParaRPr lang="en-US" dirty="0">
+              <a:solidFill>
+                <a:schemeClr val="bg1"/>
+              </a:solidFill>
+            </a:endParaRPr>
+          </a:p>
+          <a:p>
+            <a:endParaRPr lang="en-US" dirty="0" smtClean="0">
+              <a:solidFill>
+                <a:schemeClr val="bg1"/>
+              </a:solidFill>
+            </a:endParaRPr>
+          </a:p>
+          <a:p>
+            <a:endParaRPr lang="en-US" dirty="0" smtClean="0">
+              <a:solidFill>
+                <a:schemeClr val="bg1"/>
+              </a:solidFill>
+            </a:endParaRPr>
+          </a:p>
+          <a:p>
+            <a:r>
+              <a:rPr lang="en-US" dirty="0" smtClean="0">
+                <a:solidFill>
+                  <a:schemeClr val="bg1"/>
+                </a:solidFill>
+              </a:rPr>
+              <a:t>Download the class materials and extract the files to your computer.</a:t>
+            </a:r>
+          </a:p>
+        </p:txBody>
+      </p:sp>
+      <p:pic>
+        <p:nvPicPr>
+          <p:cNvPr id="5" name="Picture 4"/>
+          <p:cNvPicPr>
+            <a:picLocks noChangeAspect="1"/>
+          </p:cNvPicPr>
+          <p:nvPr/>
+        </p:nvPicPr>
+        <p:blipFill>
+          <a:blip r:embed="rId3"/>
+          <a:stretch>
+            <a:fillRect/>
+          </a:stretch>
+        </p:blipFill>
+        <p:spPr>
+          <a:xfrm>
+            <a:off x="7775575" y="3438557"/>
+            <a:ext cx="1428750" cy="438150"/>
+          </a:xfrm>
+          <a:prstGeom prst="rect">
+            <a:avLst/>
+          </a:prstGeom>
+        </p:spPr>
+      </p:pic>
     </p:spTree>
     <p:extLst>
       <p:ext uri="{BB962C8B-B14F-4D97-AF65-F5344CB8AC3E}">
@@ -20254,6 +19792,13 @@
   <p:clrMapOvr>
     <a:masterClrMapping/>
   </p:clrMapOvr>
+  <p:timing>
+    <p:tnLst>
+      <p:par>
+        <p:cTn id="1" dur="indefinite" restart="never" nodeType="tmRoot"/>
+      </p:par>
+    </p:tnLst>
+  </p:timing>
 </p:sld>
 </file>
 
@@ -20767,7 +20312,7 @@
                 <a16:creationId xmlns:a16="http://schemas.microsoft.com/office/drawing/2014/main" id="{2F448CB3-7B4F-45D7-B7C0-DF553DF61453}"/>
               </a:ext>
               <a:ext uri="{C183D7F6-B498-43B3-948B-1728B52AA6E4}">
-                <adec:decorative xmlns:adec="http://schemas.microsoft.com/office/drawing/2017/decorative" xmlns="" val="1"/>
+                <adec:decorative xmlns="" xmlns:adec="http://schemas.microsoft.com/office/drawing/2017/decorative" val="1"/>
               </a:ext>
             </a:extLst>
           </p:cNvPr>
@@ -20798,7 +20343,7 @@
                   <a16:creationId xmlns:a16="http://schemas.microsoft.com/office/drawing/2014/main" id="{5C5305EA-7A88-413D-BE8A-47A02476F00C}"/>
                 </a:ext>
                 <a:ext uri="{C183D7F6-B498-43B3-948B-1728B52AA6E4}">
-                  <adec:decorative xmlns:adec="http://schemas.microsoft.com/office/drawing/2017/decorative" xmlns="" val="1"/>
+                  <adec:decorative xmlns="" xmlns:adec="http://schemas.microsoft.com/office/drawing/2017/decorative" val="1"/>
                 </a:ext>
               </a:extLst>
             </p:cNvPr>
@@ -20868,7 +20413,7 @@
                   <a16:creationId xmlns:a16="http://schemas.microsoft.com/office/drawing/2014/main" id="{FCA94DB5-FE56-4A3D-BC48-31B5595197FD}"/>
                 </a:ext>
                 <a:ext uri="{C183D7F6-B498-43B3-948B-1728B52AA6E4}">
-                  <adec:decorative xmlns:adec="http://schemas.microsoft.com/office/drawing/2017/decorative" xmlns="" val="1"/>
+                  <adec:decorative xmlns="" xmlns:adec="http://schemas.microsoft.com/office/drawing/2017/decorative" val="1"/>
                 </a:ext>
               </a:extLst>
             </p:cNvPr>
@@ -20987,7 +20532,7 @@
                 <a16:creationId xmlns:a16="http://schemas.microsoft.com/office/drawing/2014/main" id="{F9ED434F-8767-46CC-B26B-5AF62FF01E66}"/>
               </a:ext>
               <a:ext uri="{C183D7F6-B498-43B3-948B-1728B52AA6E4}">
-                <adec:decorative xmlns:adec="http://schemas.microsoft.com/office/drawing/2017/decorative" xmlns="" val="1"/>
+                <adec:decorative xmlns="" xmlns:adec="http://schemas.microsoft.com/office/drawing/2017/decorative" val="1"/>
               </a:ext>
             </a:extLst>
           </p:cNvPr>
@@ -21069,6 +20614,13 @@
   <p:clrMapOvr>
     <a:overrideClrMapping bg1="dk1" tx1="lt1" bg2="dk2" tx2="lt2" accent1="accent1" accent2="accent2" accent3="accent3" accent4="accent4" accent5="accent5" accent6="accent6" hlink="hlink" folHlink="folHlink"/>
   </p:clrMapOvr>
+  <p:timing>
+    <p:tnLst>
+      <p:par>
+        <p:cTn id="1" dur="indefinite" restart="never" nodeType="tmRoot"/>
+      </p:par>
+    </p:tnLst>
+  </p:timing>
 </p:sld>
 </file>
 
@@ -21105,7 +20657,7 @@
                 <a16:creationId xmlns:a16="http://schemas.microsoft.com/office/drawing/2014/main" id="{4091D54B-59AB-4A5E-8E9E-0421BD66D4FB}"/>
               </a:ext>
               <a:ext uri="{C183D7F6-B498-43B3-948B-1728B52AA6E4}">
-                <adec:decorative xmlns:adec="http://schemas.microsoft.com/office/drawing/2017/decorative" xmlns="" val="1"/>
+                <adec:decorative xmlns="" xmlns:adec="http://schemas.microsoft.com/office/drawing/2017/decorative" val="1"/>
               </a:ext>
             </a:extLst>
           </p:cNvPr>
@@ -21136,7 +20688,7 @@
                   <a16:creationId xmlns:a16="http://schemas.microsoft.com/office/drawing/2014/main" id="{547CE62E-FFFD-4A1F-BA78-C3B89C36FCA5}"/>
                 </a:ext>
                 <a:ext uri="{C183D7F6-B498-43B3-948B-1728B52AA6E4}">
-                  <adec:decorative xmlns:adec="http://schemas.microsoft.com/office/drawing/2017/decorative" xmlns="" val="1"/>
+                  <adec:decorative xmlns="" xmlns:adec="http://schemas.microsoft.com/office/drawing/2017/decorative" val="1"/>
                 </a:ext>
               </a:extLst>
             </p:cNvPr>
@@ -21206,7 +20758,7 @@
                   <a16:creationId xmlns:a16="http://schemas.microsoft.com/office/drawing/2014/main" id="{AE51FD27-6B6A-4D21-BF22-245DA9BD0B3E}"/>
                 </a:ext>
                 <a:ext uri="{C183D7F6-B498-43B3-948B-1728B52AA6E4}">
-                  <adec:decorative xmlns:adec="http://schemas.microsoft.com/office/drawing/2017/decorative" xmlns="" val="1"/>
+                  <adec:decorative xmlns="" xmlns:adec="http://schemas.microsoft.com/office/drawing/2017/decorative" val="1"/>
                 </a:ext>
               </a:extLst>
             </p:cNvPr>
@@ -21286,7 +20838,7 @@
                 <a16:creationId xmlns:a16="http://schemas.microsoft.com/office/drawing/2014/main" id="{B8144315-1C5A-4185-A952-25D98D303D46}"/>
               </a:ext>
               <a:ext uri="{C183D7F6-B498-43B3-948B-1728B52AA6E4}">
-                <adec:decorative xmlns:adec="http://schemas.microsoft.com/office/drawing/2017/decorative" xmlns="" val="1"/>
+                <adec:decorative xmlns="" xmlns:adec="http://schemas.microsoft.com/office/drawing/2017/decorative" val="1"/>
               </a:ext>
             </a:extLst>
           </p:cNvPr>
@@ -21339,7 +20891,7 @@
                 <a16:creationId xmlns:a16="http://schemas.microsoft.com/office/drawing/2014/main" id="{11CAC6F2-0806-417B-BF5D-5AEF6195FA49}"/>
               </a:ext>
               <a:ext uri="{C183D7F6-B498-43B3-948B-1728B52AA6E4}">
-                <adec:decorative xmlns:adec="http://schemas.microsoft.com/office/drawing/2017/decorative" xmlns="" val="1"/>
+                <adec:decorative xmlns="" xmlns:adec="http://schemas.microsoft.com/office/drawing/2017/decorative" val="1"/>
               </a:ext>
             </a:extLst>
           </p:cNvPr>
@@ -21418,7 +20970,7 @@
                 <a16:creationId xmlns:a16="http://schemas.microsoft.com/office/drawing/2014/main" id="{D4723B02-0AAB-4F6E-BA41-8ED99D559D93}"/>
               </a:ext>
               <a:ext uri="{C183D7F6-B498-43B3-948B-1728B52AA6E4}">
-                <adec:decorative xmlns:adec="http://schemas.microsoft.com/office/drawing/2017/decorative" xmlns="" val="1"/>
+                <adec:decorative xmlns="" xmlns:adec="http://schemas.microsoft.com/office/drawing/2017/decorative" val="1"/>
               </a:ext>
             </a:extLst>
           </p:cNvPr>
@@ -21602,6 +21154,13 @@
   <p:clrMapOvr>
     <a:overrideClrMapping bg1="dk1" tx1="lt1" bg2="dk2" tx2="lt2" accent1="accent1" accent2="accent2" accent3="accent3" accent4="accent4" accent5="accent5" accent6="accent6" hlink="hlink" folHlink="folHlink"/>
   </p:clrMapOvr>
+  <p:timing>
+    <p:tnLst>
+      <p:par>
+        <p:cTn id="1" dur="indefinite" restart="never" nodeType="tmRoot"/>
+      </p:par>
+    </p:tnLst>
+  </p:timing>
 </p:sld>
 </file>
 
@@ -21638,7 +21197,7 @@
                 <a16:creationId xmlns:a16="http://schemas.microsoft.com/office/drawing/2014/main" id="{4091D54B-59AB-4A5E-8E9E-0421BD66D4FB}"/>
               </a:ext>
               <a:ext uri="{C183D7F6-B498-43B3-948B-1728B52AA6E4}">
-                <adec:decorative xmlns:adec="http://schemas.microsoft.com/office/drawing/2017/decorative" xmlns="" val="1"/>
+                <adec:decorative xmlns="" xmlns:adec="http://schemas.microsoft.com/office/drawing/2017/decorative" val="1"/>
               </a:ext>
             </a:extLst>
           </p:cNvPr>
@@ -21669,7 +21228,7 @@
                   <a16:creationId xmlns:a16="http://schemas.microsoft.com/office/drawing/2014/main" id="{547CE62E-FFFD-4A1F-BA78-C3B89C36FCA5}"/>
                 </a:ext>
                 <a:ext uri="{C183D7F6-B498-43B3-948B-1728B52AA6E4}">
-                  <adec:decorative xmlns:adec="http://schemas.microsoft.com/office/drawing/2017/decorative" xmlns="" val="1"/>
+                  <adec:decorative xmlns="" xmlns:adec="http://schemas.microsoft.com/office/drawing/2017/decorative" val="1"/>
                 </a:ext>
               </a:extLst>
             </p:cNvPr>
@@ -21739,7 +21298,7 @@
                   <a16:creationId xmlns:a16="http://schemas.microsoft.com/office/drawing/2014/main" id="{AE51FD27-6B6A-4D21-BF22-245DA9BD0B3E}"/>
                 </a:ext>
                 <a:ext uri="{C183D7F6-B498-43B3-948B-1728B52AA6E4}">
-                  <adec:decorative xmlns:adec="http://schemas.microsoft.com/office/drawing/2017/decorative" xmlns="" val="1"/>
+                  <adec:decorative xmlns="" xmlns:adec="http://schemas.microsoft.com/office/drawing/2017/decorative" val="1"/>
                 </a:ext>
               </a:extLst>
             </p:cNvPr>
@@ -21819,7 +21378,7 @@
                 <a16:creationId xmlns:a16="http://schemas.microsoft.com/office/drawing/2014/main" id="{B8144315-1C5A-4185-A952-25D98D303D46}"/>
               </a:ext>
               <a:ext uri="{C183D7F6-B498-43B3-948B-1728B52AA6E4}">
-                <adec:decorative xmlns:adec="http://schemas.microsoft.com/office/drawing/2017/decorative" xmlns="" val="1"/>
+                <adec:decorative xmlns="" xmlns:adec="http://schemas.microsoft.com/office/drawing/2017/decorative" val="1"/>
               </a:ext>
             </a:extLst>
           </p:cNvPr>
@@ -21914,7 +21473,7 @@
                 <a16:creationId xmlns:a16="http://schemas.microsoft.com/office/drawing/2014/main" id="{25A657F0-42F3-40D3-BC75-7DA1F5C6A225}"/>
               </a:ext>
               <a:ext uri="{C183D7F6-B498-43B3-948B-1728B52AA6E4}">
-                <adec:decorative xmlns:adec="http://schemas.microsoft.com/office/drawing/2017/decorative" xmlns="" val="1"/>
+                <adec:decorative xmlns="" xmlns:adec="http://schemas.microsoft.com/office/drawing/2017/decorative" val="1"/>
               </a:ext>
             </a:extLst>
           </p:cNvPr>
@@ -21945,7 +21504,7 @@
                   <a16:creationId xmlns:a16="http://schemas.microsoft.com/office/drawing/2014/main" id="{2E94FF68-7A60-47B7-AB98-1674FC7F2D14}"/>
                 </a:ext>
                 <a:ext uri="{C183D7F6-B498-43B3-948B-1728B52AA6E4}">
-                  <adec:decorative xmlns:adec="http://schemas.microsoft.com/office/drawing/2017/decorative" xmlns="" val="1"/>
+                  <adec:decorative xmlns="" xmlns:adec="http://schemas.microsoft.com/office/drawing/2017/decorative" val="1"/>
                 </a:ext>
               </a:extLst>
             </p:cNvPr>
@@ -21997,7 +21556,7 @@
                   <a16:creationId xmlns:a16="http://schemas.microsoft.com/office/drawing/2014/main" id="{42B4F8D7-4E9C-45EF-9072-1AF32CEF7102}"/>
                 </a:ext>
                 <a:ext uri="{C183D7F6-B498-43B3-948B-1728B52AA6E4}">
-                  <adec:decorative xmlns:adec="http://schemas.microsoft.com/office/drawing/2017/decorative" xmlns="" val="1"/>
+                  <adec:decorative xmlns="" xmlns:adec="http://schemas.microsoft.com/office/drawing/2017/decorative" val="1"/>
                 </a:ext>
               </a:extLst>
             </p:cNvPr>
@@ -22196,7 +21755,7 @@
                   <a16:creationId xmlns:a16="http://schemas.microsoft.com/office/drawing/2014/main" id="{3ECBDDDB-593C-40F0-8E80-AA75798EE40C}"/>
                 </a:ext>
                 <a:ext uri="{C183D7F6-B498-43B3-948B-1728B52AA6E4}">
-                  <adec:decorative xmlns:adec="http://schemas.microsoft.com/office/drawing/2017/decorative" xmlns="" val="1"/>
+                  <adec:decorative xmlns="" xmlns:adec="http://schemas.microsoft.com/office/drawing/2017/decorative" val="1"/>
                 </a:ext>
               </a:extLst>
             </p:cNvPr>

--- a/Intro to APIs.pptx
+++ b/Intro to APIs.pptx
@@ -5,7 +5,7 @@
     <p:sldMasterId id="2147483660" r:id="rId1"/>
   </p:sldMasterIdLst>
   <p:notesMasterIdLst>
-    <p:notesMasterId r:id="rId15"/>
+    <p:notesMasterId r:id="rId17"/>
   </p:notesMasterIdLst>
   <p:sldIdLst>
     <p:sldId id="257" r:id="rId2"/>
@@ -17,10 +17,12 @@
     <p:sldId id="263" r:id="rId8"/>
     <p:sldId id="264" r:id="rId9"/>
     <p:sldId id="265" r:id="rId10"/>
-    <p:sldId id="266" r:id="rId11"/>
-    <p:sldId id="267" r:id="rId12"/>
-    <p:sldId id="268" r:id="rId13"/>
-    <p:sldId id="269" r:id="rId14"/>
+    <p:sldId id="270" r:id="rId11"/>
+    <p:sldId id="266" r:id="rId12"/>
+    <p:sldId id="267" r:id="rId13"/>
+    <p:sldId id="268" r:id="rId14"/>
+    <p:sldId id="269" r:id="rId15"/>
+    <p:sldId id="271" r:id="rId16"/>
   </p:sldIdLst>
   <p:sldSz cx="12192000" cy="6858000"/>
   <p:notesSz cx="6858000" cy="9144000"/>
@@ -19826,6 +19828,59 @@
             <a:spLocks noGrp="1"/>
           </p:cNvSpPr>
           <p:nvPr>
+            <p:ph type="ctrTitle"/>
+          </p:nvPr>
+        </p:nvSpPr>
+        <p:spPr/>
+        <p:txBody>
+          <a:bodyPr/>
+          <a:lstStyle/>
+          <a:p>
+            <a:r>
+              <a:rPr lang="en-US" dirty="0" smtClean="0"/>
+              <a:t>Quick Break</a:t>
+            </a:r>
+            <a:endParaRPr lang="en-US" dirty="0"/>
+          </a:p>
+        </p:txBody>
+      </p:sp>
+    </p:spTree>
+    <p:extLst>
+      <p:ext uri="{BB962C8B-B14F-4D97-AF65-F5344CB8AC3E}">
+        <p14:creationId xmlns:p14="http://schemas.microsoft.com/office/powerpoint/2010/main" val="1113551858"/>
+      </p:ext>
+    </p:extLst>
+  </p:cSld>
+  <p:clrMapOvr>
+    <a:masterClrMapping/>
+  </p:clrMapOvr>
+</p:sld>
+</file>
+
+<file path=ppt/slides/slide11.xml><?xml version="1.0" encoding="utf-8"?>
+<p:sld xmlns:a="http://schemas.openxmlformats.org/drawingml/2006/main" xmlns:r="http://schemas.openxmlformats.org/officeDocument/2006/relationships" xmlns:p="http://schemas.openxmlformats.org/presentationml/2006/main">
+  <p:cSld>
+    <p:spTree>
+      <p:nvGrpSpPr>
+        <p:cNvPr id="1" name=""/>
+        <p:cNvGrpSpPr/>
+        <p:nvPr/>
+      </p:nvGrpSpPr>
+      <p:grpSpPr>
+        <a:xfrm>
+          <a:off x="0" y="0"/>
+          <a:ext cx="0" cy="0"/>
+          <a:chOff x="0" y="0"/>
+          <a:chExt cx="0" cy="0"/>
+        </a:xfrm>
+      </p:grpSpPr>
+      <p:sp>
+        <p:nvSpPr>
+          <p:cNvPr id="2" name="Title 1"/>
+          <p:cNvSpPr>
+            <a:spLocks noGrp="1"/>
+          </p:cNvSpPr>
+          <p:nvPr>
             <p:ph type="title"/>
           </p:nvPr>
         </p:nvSpPr>
@@ -19891,8 +19946,27 @@
           <a:p>
             <a:r>
               <a:rPr lang="en-US" dirty="0" smtClean="0"/>
-              <a:t>Sign up for an API key.</a:t>
+              <a:t>Sign up for </a:t>
             </a:r>
+            <a:r>
+              <a:rPr lang="en-US" dirty="0" smtClean="0"/>
+              <a:t>the NASA Developer </a:t>
+            </a:r>
+            <a:r>
+              <a:rPr lang="en-US" dirty="0" smtClean="0"/>
+              <a:t>API key</a:t>
+            </a:r>
+            <a:r>
+              <a:rPr lang="en-US" dirty="0" smtClean="0"/>
+              <a:t>.</a:t>
+            </a:r>
+          </a:p>
+          <a:p>
+            <a:r>
+              <a:rPr lang="en-US" dirty="0" smtClean="0"/>
+              <a:t>Copy the key you are assigned after signing up.</a:t>
+            </a:r>
+            <a:endParaRPr lang="en-US" dirty="0" smtClean="0"/>
           </a:p>
           <a:p>
             <a:r>
@@ -19916,7 +19990,7 @@
 </p:sld>
 </file>
 
-<file path=ppt/slides/slide11.xml><?xml version="1.0" encoding="utf-8"?>
+<file path=ppt/slides/slide12.xml><?xml version="1.0" encoding="utf-8"?>
 <p:sld xmlns:a="http://schemas.openxmlformats.org/drawingml/2006/main" xmlns:r="http://schemas.openxmlformats.org/officeDocument/2006/relationships" xmlns:p="http://schemas.openxmlformats.org/presentationml/2006/main">
   <p:cSld>
     <p:spTree>
@@ -19972,8 +20046,13 @@
           <a:p>
             <a:r>
               <a:rPr lang="en-US" dirty="0" smtClean="0"/>
-              <a:t>Replace the DEMO_KEY with your key.</a:t>
+              <a:t>Replace the DEMO_KEY with your </a:t>
             </a:r>
+            <a:r>
+              <a:rPr lang="en-US" dirty="0" smtClean="0"/>
+              <a:t>key (line 34).</a:t>
+            </a:r>
+            <a:endParaRPr lang="en-US" dirty="0" smtClean="0"/>
           </a:p>
           <a:p>
             <a:r>
@@ -19996,6 +20075,30 @@
           </a:p>
         </p:txBody>
       </p:sp>
+      <p:pic>
+        <p:nvPicPr>
+          <p:cNvPr id="4" name="Picture 3"/>
+          <p:cNvPicPr>
+            <a:picLocks noChangeAspect="1"/>
+          </p:cNvPicPr>
+          <p:nvPr/>
+        </p:nvPicPr>
+        <p:blipFill>
+          <a:blip r:embed="rId2"/>
+          <a:stretch>
+            <a:fillRect/>
+          </a:stretch>
+        </p:blipFill>
+        <p:spPr>
+          <a:xfrm>
+            <a:off x="1327232" y="4585873"/>
+            <a:ext cx="7543800" cy="866775"/>
+          </a:xfrm>
+          <a:prstGeom prst="rect">
+            <a:avLst/>
+          </a:prstGeom>
+        </p:spPr>
+      </p:pic>
     </p:spTree>
     <p:extLst>
       <p:ext uri="{BB962C8B-B14F-4D97-AF65-F5344CB8AC3E}">
@@ -20009,7 +20112,7 @@
 </p:sld>
 </file>
 
-<file path=ppt/slides/slide12.xml><?xml version="1.0" encoding="utf-8"?>
+<file path=ppt/slides/slide13.xml><?xml version="1.0" encoding="utf-8"?>
 <p:sld xmlns:a="http://schemas.openxmlformats.org/drawingml/2006/main" xmlns:r="http://schemas.openxmlformats.org/officeDocument/2006/relationships" xmlns:p="http://schemas.openxmlformats.org/presentationml/2006/main">
   <p:cSld>
     <p:spTree>
@@ -20136,7 +20239,7 @@
 </p:sld>
 </file>
 
-<file path=ppt/slides/slide13.xml><?xml version="1.0" encoding="utf-8"?>
+<file path=ppt/slides/slide14.xml><?xml version="1.0" encoding="utf-8"?>
 <p:sld xmlns:a="http://schemas.openxmlformats.org/drawingml/2006/main" xmlns:r="http://schemas.openxmlformats.org/officeDocument/2006/relationships" xmlns:p="http://schemas.openxmlformats.org/presentationml/2006/main">
   <p:cSld>
     <p:spTree>
@@ -20279,6 +20382,99 @@
 </p:sld>
 </file>
 
+<file path=ppt/slides/slide15.xml><?xml version="1.0" encoding="utf-8"?>
+<p:sld xmlns:a="http://schemas.openxmlformats.org/drawingml/2006/main" xmlns:r="http://schemas.openxmlformats.org/officeDocument/2006/relationships" xmlns:p="http://schemas.openxmlformats.org/presentationml/2006/main">
+  <p:cSld>
+    <p:spTree>
+      <p:nvGrpSpPr>
+        <p:cNvPr id="1" name=""/>
+        <p:cNvGrpSpPr/>
+        <p:nvPr/>
+      </p:nvGrpSpPr>
+      <p:grpSpPr>
+        <a:xfrm>
+          <a:off x="0" y="0"/>
+          <a:ext cx="0" cy="0"/>
+          <a:chOff x="0" y="0"/>
+          <a:chExt cx="0" cy="0"/>
+        </a:xfrm>
+      </p:grpSpPr>
+      <p:sp>
+        <p:nvSpPr>
+          <p:cNvPr id="2" name="Title 1"/>
+          <p:cNvSpPr>
+            <a:spLocks noGrp="1"/>
+          </p:cNvSpPr>
+          <p:nvPr>
+            <p:ph type="title"/>
+          </p:nvPr>
+        </p:nvSpPr>
+        <p:spPr/>
+        <p:txBody>
+          <a:bodyPr/>
+          <a:lstStyle/>
+          <a:p>
+            <a:r>
+              <a:rPr lang="en-US" dirty="0" smtClean="0"/>
+              <a:t>Extra Time?</a:t>
+            </a:r>
+            <a:endParaRPr lang="en-US" dirty="0"/>
+          </a:p>
+        </p:txBody>
+      </p:sp>
+      <p:sp>
+        <p:nvSpPr>
+          <p:cNvPr id="3" name="Content Placeholder 2"/>
+          <p:cNvSpPr>
+            <a:spLocks noGrp="1"/>
+          </p:cNvSpPr>
+          <p:nvPr>
+            <p:ph idx="1"/>
+          </p:nvPr>
+        </p:nvSpPr>
+        <p:spPr/>
+        <p:txBody>
+          <a:bodyPr/>
+          <a:lstStyle/>
+          <a:p>
+            <a:r>
+              <a:rPr lang="en-US" dirty="0" smtClean="0"/>
+              <a:t>Try working with the Marvel API!</a:t>
+            </a:r>
+          </a:p>
+          <a:p>
+            <a:r>
+              <a:rPr lang="en-US" dirty="0" smtClean="0"/>
+              <a:t>Register for a Marvel API key.</a:t>
+            </a:r>
+          </a:p>
+          <a:p>
+            <a:r>
+              <a:rPr lang="en-US" dirty="0" smtClean="0"/>
+              <a:t>Use the marvel.html as a starter file. </a:t>
+            </a:r>
+          </a:p>
+          <a:p>
+            <a:r>
+              <a:rPr lang="en-US" dirty="0" smtClean="0"/>
+              <a:t>Explore the interactive API documentation using their website.</a:t>
+            </a:r>
+          </a:p>
+        </p:txBody>
+      </p:sp>
+    </p:spTree>
+    <p:extLst>
+      <p:ext uri="{BB962C8B-B14F-4D97-AF65-F5344CB8AC3E}">
+        <p14:creationId xmlns:p14="http://schemas.microsoft.com/office/powerpoint/2010/main" val="4070227827"/>
+      </p:ext>
+    </p:extLst>
+  </p:cSld>
+  <p:clrMapOvr>
+    <a:masterClrMapping/>
+  </p:clrMapOvr>
+</p:sld>
+</file>
+
 <file path=ppt/slides/slide2.xml><?xml version="1.0" encoding="utf-8"?>
 <p:sld xmlns:a="http://schemas.openxmlformats.org/drawingml/2006/main" xmlns:r="http://schemas.openxmlformats.org/officeDocument/2006/relationships" xmlns:p="http://schemas.openxmlformats.org/presentationml/2006/main">
   <p:cSld>
@@ -20312,7 +20508,7 @@
                 <a16:creationId xmlns:a16="http://schemas.microsoft.com/office/drawing/2014/main" id="{2F448CB3-7B4F-45D7-B7C0-DF553DF61453}"/>
               </a:ext>
               <a:ext uri="{C183D7F6-B498-43B3-948B-1728B52AA6E4}">
-                <adec:decorative xmlns="" xmlns:adec="http://schemas.microsoft.com/office/drawing/2017/decorative" val="1"/>
+                <adec:decorative xmlns:adec="http://schemas.microsoft.com/office/drawing/2017/decorative" xmlns="" val="1"/>
               </a:ext>
             </a:extLst>
           </p:cNvPr>
@@ -20343,7 +20539,7 @@
                   <a16:creationId xmlns:a16="http://schemas.microsoft.com/office/drawing/2014/main" id="{5C5305EA-7A88-413D-BE8A-47A02476F00C}"/>
                 </a:ext>
                 <a:ext uri="{C183D7F6-B498-43B3-948B-1728B52AA6E4}">
-                  <adec:decorative xmlns="" xmlns:adec="http://schemas.microsoft.com/office/drawing/2017/decorative" val="1"/>
+                  <adec:decorative xmlns:adec="http://schemas.microsoft.com/office/drawing/2017/decorative" xmlns="" val="1"/>
                 </a:ext>
               </a:extLst>
             </p:cNvPr>
@@ -20413,7 +20609,7 @@
                   <a16:creationId xmlns:a16="http://schemas.microsoft.com/office/drawing/2014/main" id="{FCA94DB5-FE56-4A3D-BC48-31B5595197FD}"/>
                 </a:ext>
                 <a:ext uri="{C183D7F6-B498-43B3-948B-1728B52AA6E4}">
-                  <adec:decorative xmlns="" xmlns:adec="http://schemas.microsoft.com/office/drawing/2017/decorative" val="1"/>
+                  <adec:decorative xmlns:adec="http://schemas.microsoft.com/office/drawing/2017/decorative" xmlns="" val="1"/>
                 </a:ext>
               </a:extLst>
             </p:cNvPr>
@@ -20532,7 +20728,7 @@
                 <a16:creationId xmlns:a16="http://schemas.microsoft.com/office/drawing/2014/main" id="{F9ED434F-8767-46CC-B26B-5AF62FF01E66}"/>
               </a:ext>
               <a:ext uri="{C183D7F6-B498-43B3-948B-1728B52AA6E4}">
-                <adec:decorative xmlns="" xmlns:adec="http://schemas.microsoft.com/office/drawing/2017/decorative" val="1"/>
+                <adec:decorative xmlns:adec="http://schemas.microsoft.com/office/drawing/2017/decorative" xmlns="" val="1"/>
               </a:ext>
             </a:extLst>
           </p:cNvPr>
@@ -20657,7 +20853,7 @@
                 <a16:creationId xmlns:a16="http://schemas.microsoft.com/office/drawing/2014/main" id="{4091D54B-59AB-4A5E-8E9E-0421BD66D4FB}"/>
               </a:ext>
               <a:ext uri="{C183D7F6-B498-43B3-948B-1728B52AA6E4}">
-                <adec:decorative xmlns="" xmlns:adec="http://schemas.microsoft.com/office/drawing/2017/decorative" val="1"/>
+                <adec:decorative xmlns:adec="http://schemas.microsoft.com/office/drawing/2017/decorative" xmlns="" val="1"/>
               </a:ext>
             </a:extLst>
           </p:cNvPr>
@@ -20688,7 +20884,7 @@
                   <a16:creationId xmlns:a16="http://schemas.microsoft.com/office/drawing/2014/main" id="{547CE62E-FFFD-4A1F-BA78-C3B89C36FCA5}"/>
                 </a:ext>
                 <a:ext uri="{C183D7F6-B498-43B3-948B-1728B52AA6E4}">
-                  <adec:decorative xmlns="" xmlns:adec="http://schemas.microsoft.com/office/drawing/2017/decorative" val="1"/>
+                  <adec:decorative xmlns:adec="http://schemas.microsoft.com/office/drawing/2017/decorative" xmlns="" val="1"/>
                 </a:ext>
               </a:extLst>
             </p:cNvPr>
@@ -20758,7 +20954,7 @@
                   <a16:creationId xmlns:a16="http://schemas.microsoft.com/office/drawing/2014/main" id="{AE51FD27-6B6A-4D21-BF22-245DA9BD0B3E}"/>
                 </a:ext>
                 <a:ext uri="{C183D7F6-B498-43B3-948B-1728B52AA6E4}">
-                  <adec:decorative xmlns="" xmlns:adec="http://schemas.microsoft.com/office/drawing/2017/decorative" val="1"/>
+                  <adec:decorative xmlns:adec="http://schemas.microsoft.com/office/drawing/2017/decorative" xmlns="" val="1"/>
                 </a:ext>
               </a:extLst>
             </p:cNvPr>
@@ -20838,7 +21034,7 @@
                 <a16:creationId xmlns:a16="http://schemas.microsoft.com/office/drawing/2014/main" id="{B8144315-1C5A-4185-A952-25D98D303D46}"/>
               </a:ext>
               <a:ext uri="{C183D7F6-B498-43B3-948B-1728B52AA6E4}">
-                <adec:decorative xmlns="" xmlns:adec="http://schemas.microsoft.com/office/drawing/2017/decorative" val="1"/>
+                <adec:decorative xmlns:adec="http://schemas.microsoft.com/office/drawing/2017/decorative" xmlns="" val="1"/>
               </a:ext>
             </a:extLst>
           </p:cNvPr>
@@ -20891,7 +21087,7 @@
                 <a16:creationId xmlns:a16="http://schemas.microsoft.com/office/drawing/2014/main" id="{11CAC6F2-0806-417B-BF5D-5AEF6195FA49}"/>
               </a:ext>
               <a:ext uri="{C183D7F6-B498-43B3-948B-1728B52AA6E4}">
-                <adec:decorative xmlns="" xmlns:adec="http://schemas.microsoft.com/office/drawing/2017/decorative" val="1"/>
+                <adec:decorative xmlns:adec="http://schemas.microsoft.com/office/drawing/2017/decorative" xmlns="" val="1"/>
               </a:ext>
             </a:extLst>
           </p:cNvPr>
@@ -20970,7 +21166,7 @@
                 <a16:creationId xmlns:a16="http://schemas.microsoft.com/office/drawing/2014/main" id="{D4723B02-0AAB-4F6E-BA41-8ED99D559D93}"/>
               </a:ext>
               <a:ext uri="{C183D7F6-B498-43B3-948B-1728B52AA6E4}">
-                <adec:decorative xmlns="" xmlns:adec="http://schemas.microsoft.com/office/drawing/2017/decorative" val="1"/>
+                <adec:decorative xmlns:adec="http://schemas.microsoft.com/office/drawing/2017/decorative" xmlns="" val="1"/>
               </a:ext>
             </a:extLst>
           </p:cNvPr>
@@ -21197,7 +21393,7 @@
                 <a16:creationId xmlns:a16="http://schemas.microsoft.com/office/drawing/2014/main" id="{4091D54B-59AB-4A5E-8E9E-0421BD66D4FB}"/>
               </a:ext>
               <a:ext uri="{C183D7F6-B498-43B3-948B-1728B52AA6E4}">
-                <adec:decorative xmlns="" xmlns:adec="http://schemas.microsoft.com/office/drawing/2017/decorative" val="1"/>
+                <adec:decorative xmlns:adec="http://schemas.microsoft.com/office/drawing/2017/decorative" xmlns="" val="1"/>
               </a:ext>
             </a:extLst>
           </p:cNvPr>
@@ -21228,7 +21424,7 @@
                   <a16:creationId xmlns:a16="http://schemas.microsoft.com/office/drawing/2014/main" id="{547CE62E-FFFD-4A1F-BA78-C3B89C36FCA5}"/>
                 </a:ext>
                 <a:ext uri="{C183D7F6-B498-43B3-948B-1728B52AA6E4}">
-                  <adec:decorative xmlns="" xmlns:adec="http://schemas.microsoft.com/office/drawing/2017/decorative" val="1"/>
+                  <adec:decorative xmlns:adec="http://schemas.microsoft.com/office/drawing/2017/decorative" xmlns="" val="1"/>
                 </a:ext>
               </a:extLst>
             </p:cNvPr>
@@ -21298,7 +21494,7 @@
                   <a16:creationId xmlns:a16="http://schemas.microsoft.com/office/drawing/2014/main" id="{AE51FD27-6B6A-4D21-BF22-245DA9BD0B3E}"/>
                 </a:ext>
                 <a:ext uri="{C183D7F6-B498-43B3-948B-1728B52AA6E4}">
-                  <adec:decorative xmlns="" xmlns:adec="http://schemas.microsoft.com/office/drawing/2017/decorative" val="1"/>
+                  <adec:decorative xmlns:adec="http://schemas.microsoft.com/office/drawing/2017/decorative" xmlns="" val="1"/>
                 </a:ext>
               </a:extLst>
             </p:cNvPr>
@@ -21378,7 +21574,7 @@
                 <a16:creationId xmlns:a16="http://schemas.microsoft.com/office/drawing/2014/main" id="{B8144315-1C5A-4185-A952-25D98D303D46}"/>
               </a:ext>
               <a:ext uri="{C183D7F6-B498-43B3-948B-1728B52AA6E4}">
-                <adec:decorative xmlns="" xmlns:adec="http://schemas.microsoft.com/office/drawing/2017/decorative" val="1"/>
+                <adec:decorative xmlns:adec="http://schemas.microsoft.com/office/drawing/2017/decorative" xmlns="" val="1"/>
               </a:ext>
             </a:extLst>
           </p:cNvPr>
@@ -21473,7 +21669,7 @@
                 <a16:creationId xmlns:a16="http://schemas.microsoft.com/office/drawing/2014/main" id="{25A657F0-42F3-40D3-BC75-7DA1F5C6A225}"/>
               </a:ext>
               <a:ext uri="{C183D7F6-B498-43B3-948B-1728B52AA6E4}">
-                <adec:decorative xmlns="" xmlns:adec="http://schemas.microsoft.com/office/drawing/2017/decorative" val="1"/>
+                <adec:decorative xmlns:adec="http://schemas.microsoft.com/office/drawing/2017/decorative" xmlns="" val="1"/>
               </a:ext>
             </a:extLst>
           </p:cNvPr>
@@ -21504,7 +21700,7 @@
                   <a16:creationId xmlns:a16="http://schemas.microsoft.com/office/drawing/2014/main" id="{2E94FF68-7A60-47B7-AB98-1674FC7F2D14}"/>
                 </a:ext>
                 <a:ext uri="{C183D7F6-B498-43B3-948B-1728B52AA6E4}">
-                  <adec:decorative xmlns="" xmlns:adec="http://schemas.microsoft.com/office/drawing/2017/decorative" val="1"/>
+                  <adec:decorative xmlns:adec="http://schemas.microsoft.com/office/drawing/2017/decorative" xmlns="" val="1"/>
                 </a:ext>
               </a:extLst>
             </p:cNvPr>
@@ -21556,7 +21752,7 @@
                   <a16:creationId xmlns:a16="http://schemas.microsoft.com/office/drawing/2014/main" id="{42B4F8D7-4E9C-45EF-9072-1AF32CEF7102}"/>
                 </a:ext>
                 <a:ext uri="{C183D7F6-B498-43B3-948B-1728B52AA6E4}">
-                  <adec:decorative xmlns="" xmlns:adec="http://schemas.microsoft.com/office/drawing/2017/decorative" val="1"/>
+                  <adec:decorative xmlns:adec="http://schemas.microsoft.com/office/drawing/2017/decorative" xmlns="" val="1"/>
                 </a:ext>
               </a:extLst>
             </p:cNvPr>
@@ -21755,7 +21951,7 @@
                   <a16:creationId xmlns:a16="http://schemas.microsoft.com/office/drawing/2014/main" id="{3ECBDDDB-593C-40F0-8E80-AA75798EE40C}"/>
                 </a:ext>
                 <a:ext uri="{C183D7F6-B498-43B3-948B-1728B52AA6E4}">
-                  <adec:decorative xmlns="" xmlns:adec="http://schemas.microsoft.com/office/drawing/2017/decorative" val="1"/>
+                  <adec:decorative xmlns:adec="http://schemas.microsoft.com/office/drawing/2017/decorative" xmlns="" val="1"/>
                 </a:ext>
               </a:extLst>
             </p:cNvPr>
@@ -22635,8 +22831,8 @@
         </p:nvSpPr>
         <p:spPr>
           <a:xfrm>
-            <a:off x="147808" y="2408030"/>
-            <a:ext cx="7989046" cy="1477328"/>
+            <a:off x="30288" y="2160350"/>
+            <a:ext cx="7989046" cy="2308324"/>
           </a:xfrm>
           <a:prstGeom prst="rect">
             <a:avLst/>
@@ -22683,7 +22879,24 @@
               <a:t>Step 4:  From the top of the JavaScript portion, copy the contents until you reach the </a:t>
             </a:r>
             <a:r>
-              <a:rPr kumimoji="0" lang="en-US" sz="1800" b="0" i="0" u="none" strike="noStrike" kern="1200" cap="none" spc="0" normalizeH="0" baseline="0" noProof="0" dirty="0" err="1">
+              <a:rPr kumimoji="0" lang="en-US" sz="1800" b="0" i="0" u="none" strike="noStrike" kern="1200" cap="none" spc="0" normalizeH="0" baseline="0" noProof="0" dirty="0" smtClean="0">
+                <a:ln>
+                  <a:noFill/>
+                </a:ln>
+                <a:solidFill>
+                  <a:prstClr val="black"/>
+                </a:solidFill>
+                <a:effectLst/>
+                <a:uLnTx/>
+                <a:uFillTx/>
+                <a:latin typeface="Century Gothic" panose="020B0502020202020204"/>
+                <a:ea typeface="+mn-ea"/>
+                <a:cs typeface="+mn-cs"/>
+              </a:rPr>
+              <a:t>“</a:t>
+            </a:r>
+            <a:r>
+              <a:rPr kumimoji="0" lang="en-US" sz="1800" b="0" i="0" u="none" strike="noStrike" kern="1200" cap="none" spc="0" normalizeH="0" baseline="0" noProof="0" dirty="0" err="1" smtClean="0">
                 <a:ln>
                   <a:noFill/>
                 </a:ln>
@@ -22700,6 +22913,23 @@
               <a:t>setInterval</a:t>
             </a:r>
             <a:r>
+              <a:rPr kumimoji="0" lang="en-US" sz="1800" b="0" i="0" u="none" strike="noStrike" kern="1200" cap="none" spc="0" normalizeH="0" baseline="0" noProof="0" dirty="0" smtClean="0">
+                <a:ln>
+                  <a:noFill/>
+                </a:ln>
+                <a:solidFill>
+                  <a:prstClr val="black"/>
+                </a:solidFill>
+                <a:effectLst/>
+                <a:uLnTx/>
+                <a:uFillTx/>
+                <a:latin typeface="Century Gothic" panose="020B0502020202020204"/>
+                <a:ea typeface="+mn-ea"/>
+                <a:cs typeface="+mn-cs"/>
+              </a:rPr>
+              <a:t>” </a:t>
+            </a:r>
+            <a:r>
               <a:rPr kumimoji="0" lang="en-US" sz="1800" b="0" i="0" u="none" strike="noStrike" kern="1200" cap="none" spc="0" normalizeH="0" baseline="0" noProof="0" dirty="0">
                 <a:ln>
                   <a:noFill/>
@@ -22714,8 +22944,95 @@
                 <a:ea typeface="+mn-ea"/>
                 <a:cs typeface="+mn-cs"/>
               </a:rPr>
-              <a:t> function (lines 1-22).</a:t>
+              <a:t>function (lines 1-22</a:t>
             </a:r>
+            <a:r>
+              <a:rPr kumimoji="0" lang="en-US" sz="1800" b="0" i="0" u="none" strike="noStrike" kern="1200" cap="none" spc="0" normalizeH="0" baseline="0" noProof="0" dirty="0" smtClean="0">
+                <a:ln>
+                  <a:noFill/>
+                </a:ln>
+                <a:solidFill>
+                  <a:prstClr val="black"/>
+                </a:solidFill>
+                <a:effectLst/>
+                <a:uLnTx/>
+                <a:uFillTx/>
+                <a:latin typeface="Century Gothic" panose="020B0502020202020204"/>
+                <a:ea typeface="+mn-ea"/>
+                <a:cs typeface="+mn-cs"/>
+              </a:rPr>
+              <a:t>).  Place the</a:t>
+            </a:r>
+          </a:p>
+          <a:p>
+            <a:pPr marL="0" marR="0" lvl="0" indent="0" algn="l" defTabSz="457200" rtl="0" eaLnBrk="1" fontAlgn="auto" latinLnBrk="0" hangingPunct="1">
+              <a:lnSpc>
+                <a:spcPct val="100000"/>
+              </a:lnSpc>
+              <a:spcBef>
+                <a:spcPts val="0"/>
+              </a:spcBef>
+              <a:spcAft>
+                <a:spcPts val="0"/>
+              </a:spcAft>
+              <a:buClrTx/>
+              <a:buSzTx/>
+              <a:buFontTx/>
+              <a:buNone/>
+              <a:tabLst/>
+              <a:defRPr/>
+            </a:pPr>
+            <a:r>
+              <a:rPr lang="en-US" dirty="0" smtClean="0">
+                <a:solidFill>
+                  <a:prstClr val="black"/>
+                </a:solidFill>
+                <a:latin typeface="Century Gothic" panose="020B0502020202020204"/>
+              </a:rPr>
+              <a:t>copied code within script tags at the bottom of the page </a:t>
+            </a:r>
+          </a:p>
+          <a:p>
+            <a:pPr marL="0" marR="0" lvl="0" indent="0" algn="l" defTabSz="457200" rtl="0" eaLnBrk="1" fontAlgn="auto" latinLnBrk="0" hangingPunct="1">
+              <a:lnSpc>
+                <a:spcPct val="100000"/>
+              </a:lnSpc>
+              <a:spcBef>
+                <a:spcPts val="0"/>
+              </a:spcBef>
+              <a:spcAft>
+                <a:spcPts val="0"/>
+              </a:spcAft>
+              <a:buClrTx/>
+              <a:buSzTx/>
+              <a:buFontTx/>
+              <a:buNone/>
+              <a:tabLst/>
+              <a:defRPr/>
+            </a:pPr>
+            <a:r>
+              <a:rPr lang="en-US" dirty="0" smtClean="0">
+                <a:solidFill>
+                  <a:prstClr val="black"/>
+                </a:solidFill>
+                <a:latin typeface="Century Gothic" panose="020B0502020202020204"/>
+              </a:rPr>
+              <a:t>before the ending body tag.</a:t>
+            </a:r>
+            <a:endParaRPr kumimoji="0" lang="en-US" sz="1800" b="0" i="0" u="none" strike="noStrike" kern="1200" cap="none" spc="0" normalizeH="0" baseline="0" noProof="0" dirty="0">
+              <a:ln>
+                <a:noFill/>
+              </a:ln>
+              <a:solidFill>
+                <a:prstClr val="black"/>
+              </a:solidFill>
+              <a:effectLst/>
+              <a:uLnTx/>
+              <a:uFillTx/>
+              <a:latin typeface="Century Gothic" panose="020B0502020202020204"/>
+              <a:ea typeface="+mn-ea"/>
+              <a:cs typeface="+mn-cs"/>
+            </a:endParaRPr>
           </a:p>
           <a:p>
             <a:pPr marL="0" marR="0" lvl="0" indent="0" algn="l" defTabSz="457200" rtl="0" eaLnBrk="1" fontAlgn="auto" latinLnBrk="0" hangingPunct="1">
@@ -22819,8 +23136,75 @@
                 <a:ea typeface="+mn-ea"/>
                 <a:cs typeface="+mn-cs"/>
               </a:rPr>
-              <a:t> and delete CPU and Network.</a:t>
+              <a:t> and delete CPU and Network</a:t>
             </a:r>
+            <a:r>
+              <a:rPr kumimoji="0" lang="en-US" sz="1800" b="0" i="0" u="none" strike="noStrike" kern="1200" cap="none" spc="0" normalizeH="0" baseline="0" noProof="0" dirty="0" smtClean="0">
+                <a:ln>
+                  <a:noFill/>
+                </a:ln>
+                <a:solidFill>
+                  <a:prstClr val="black"/>
+                </a:solidFill>
+                <a:effectLst/>
+                <a:uLnTx/>
+                <a:uFillTx/>
+                <a:latin typeface="Century Gothic" panose="020B0502020202020204"/>
+                <a:ea typeface="+mn-ea"/>
+                <a:cs typeface="+mn-cs"/>
+              </a:rPr>
+              <a:t>.  Change the hard coded </a:t>
+            </a:r>
+          </a:p>
+          <a:p>
+            <a:pPr marL="0" marR="0" lvl="0" indent="0" algn="l" defTabSz="457200" rtl="0" eaLnBrk="1" fontAlgn="auto" latinLnBrk="0" hangingPunct="1">
+              <a:lnSpc>
+                <a:spcPct val="100000"/>
+              </a:lnSpc>
+              <a:spcBef>
+                <a:spcPts val="0"/>
+              </a:spcBef>
+              <a:spcAft>
+                <a:spcPts val="0"/>
+              </a:spcAft>
+              <a:buClrTx/>
+              <a:buSzTx/>
+              <a:buFontTx/>
+              <a:buNone/>
+              <a:tabLst/>
+              <a:defRPr/>
+            </a:pPr>
+            <a:r>
+              <a:rPr kumimoji="0" lang="en-US" sz="1800" b="0" i="0" u="none" strike="noStrike" kern="1200" cap="none" spc="0" normalizeH="0" baseline="0" noProof="0" dirty="0" smtClean="0">
+                <a:ln>
+                  <a:noFill/>
+                </a:ln>
+                <a:solidFill>
+                  <a:prstClr val="black"/>
+                </a:solidFill>
+                <a:effectLst/>
+                <a:uLnTx/>
+                <a:uFillTx/>
+                <a:latin typeface="Century Gothic" panose="020B0502020202020204"/>
+                <a:ea typeface="+mn-ea"/>
+                <a:cs typeface="+mn-cs"/>
+              </a:rPr>
+              <a:t>rating field to use a variable called “rating”.</a:t>
+            </a:r>
+            <a:endParaRPr kumimoji="0" lang="en-US" sz="1800" b="0" i="0" u="none" strike="noStrike" kern="1200" cap="none" spc="0" normalizeH="0" baseline="0" noProof="0" dirty="0">
+              <a:ln>
+                <a:noFill/>
+              </a:ln>
+              <a:solidFill>
+                <a:prstClr val="black"/>
+              </a:solidFill>
+              <a:effectLst/>
+              <a:uLnTx/>
+              <a:uFillTx/>
+              <a:latin typeface="Century Gothic" panose="020B0502020202020204"/>
+              <a:ea typeface="+mn-ea"/>
+              <a:cs typeface="+mn-cs"/>
+            </a:endParaRPr>
           </a:p>
         </p:txBody>
       </p:sp>
@@ -22876,7 +23260,7 @@
         </p:blipFill>
         <p:spPr>
           <a:xfrm>
-            <a:off x="285879" y="4113662"/>
+            <a:off x="872480" y="4423469"/>
             <a:ext cx="4514850" cy="1219200"/>
           </a:xfrm>
           <a:prstGeom prst="rect">
@@ -23056,7 +23440,7 @@
         <p:spPr>
           <a:xfrm>
             <a:off x="147809" y="2161570"/>
-            <a:ext cx="4461262" cy="3416320"/>
+            <a:ext cx="4461262" cy="3139321"/>
           </a:xfrm>
           <a:prstGeom prst="rect">
             <a:avLst/>
@@ -23100,10 +23484,61 @@
                 <a:ea typeface="+mn-ea"/>
                 <a:cs typeface="+mn-cs"/>
               </a:rPr>
-              <a:t>Step 7:  Add a script section to the body of the webpage and nest the JavaScript code within a function called </a:t>
+              <a:t>Step 7:  </a:t>
             </a:r>
             <a:r>
-              <a:rPr kumimoji="0" lang="en-US" sz="1800" b="0" i="0" u="none" strike="noStrike" kern="1200" cap="none" spc="0" normalizeH="0" baseline="0" noProof="0" dirty="0" err="1">
+              <a:rPr kumimoji="0" lang="en-US" sz="1800" b="0" i="0" u="none" strike="noStrike" kern="1200" cap="none" spc="0" normalizeH="0" baseline="0" noProof="0" dirty="0" smtClean="0">
+                <a:ln>
+                  <a:noFill/>
+                </a:ln>
+                <a:solidFill>
+                  <a:prstClr val="black"/>
+                </a:solidFill>
+                <a:effectLst/>
+                <a:uLnTx/>
+                <a:uFillTx/>
+                <a:latin typeface="Century Gothic" panose="020B0502020202020204"/>
+                <a:ea typeface="+mn-ea"/>
+                <a:cs typeface="+mn-cs"/>
+              </a:rPr>
+              <a:t>Nest previously added JavaScript </a:t>
+            </a:r>
+            <a:r>
+              <a:rPr kumimoji="0" lang="en-US" sz="1800" b="0" i="0" u="none" strike="noStrike" kern="1200" cap="none" spc="0" normalizeH="0" baseline="0" noProof="0" dirty="0">
+                <a:ln>
+                  <a:noFill/>
+                </a:ln>
+                <a:solidFill>
+                  <a:prstClr val="black"/>
+                </a:solidFill>
+                <a:effectLst/>
+                <a:uLnTx/>
+                <a:uFillTx/>
+                <a:latin typeface="Century Gothic" panose="020B0502020202020204"/>
+                <a:ea typeface="+mn-ea"/>
+                <a:cs typeface="+mn-cs"/>
+              </a:rPr>
+              <a:t>code within a function called </a:t>
+            </a:r>
+            <a:r>
+              <a:rPr kumimoji="0" lang="en-US" sz="1800" b="0" i="0" u="none" strike="noStrike" kern="1200" cap="none" spc="0" normalizeH="0" baseline="0" noProof="0" dirty="0" smtClean="0">
+                <a:ln>
+                  <a:noFill/>
+                </a:ln>
+                <a:solidFill>
+                  <a:prstClr val="black"/>
+                </a:solidFill>
+                <a:effectLst/>
+                <a:uLnTx/>
+                <a:uFillTx/>
+                <a:latin typeface="Century Gothic" panose="020B0502020202020204"/>
+                <a:ea typeface="+mn-ea"/>
+                <a:cs typeface="+mn-cs"/>
+              </a:rPr>
+              <a:t>“</a:t>
+            </a:r>
+            <a:r>
+              <a:rPr kumimoji="0" lang="en-US" sz="1800" b="0" i="0" u="none" strike="noStrike" kern="1200" cap="none" spc="0" normalizeH="0" baseline="0" noProof="0" dirty="0" err="1" smtClean="0">
                 <a:ln>
                   <a:noFill/>
                 </a:ln>
@@ -23120,6 +23555,23 @@
               <a:t>addRating</a:t>
             </a:r>
             <a:r>
+              <a:rPr kumimoji="0" lang="en-US" sz="1800" b="0" i="0" u="none" strike="noStrike" kern="1200" cap="none" spc="0" normalizeH="0" baseline="0" noProof="0" dirty="0" smtClean="0">
+                <a:ln>
+                  <a:noFill/>
+                </a:ln>
+                <a:solidFill>
+                  <a:prstClr val="black"/>
+                </a:solidFill>
+                <a:effectLst/>
+                <a:uLnTx/>
+                <a:uFillTx/>
+                <a:latin typeface="Century Gothic" panose="020B0502020202020204"/>
+                <a:ea typeface="+mn-ea"/>
+                <a:cs typeface="+mn-cs"/>
+              </a:rPr>
+              <a:t>” </a:t>
+            </a:r>
+            <a:r>
               <a:rPr kumimoji="0" lang="en-US" sz="1800" b="0" i="0" u="none" strike="noStrike" kern="1200" cap="none" spc="0" normalizeH="0" baseline="0" noProof="0" dirty="0">
                 <a:ln>
                   <a:noFill/>
@@ -23134,7 +23586,7 @@
                 <a:ea typeface="+mn-ea"/>
                 <a:cs typeface="+mn-cs"/>
               </a:rPr>
-              <a:t> that accepts a variable called “rating” and assigns this variable to the rating field.</a:t>
+              <a:t>that accepts a variable called “rating” and assigns this variable to the rating field.</a:t>
             </a:r>
           </a:p>
           <a:p>
@@ -23427,7 +23879,7 @@
         </p:blipFill>
         <p:spPr>
           <a:xfrm>
-            <a:off x="586543" y="4931150"/>
+            <a:off x="692561" y="4667505"/>
             <a:ext cx="2874747" cy="996039"/>
           </a:xfrm>
           <a:prstGeom prst="rect">
